--- a/Part 6/Lecture 6.pptx
+++ b/Part 6/Lecture 6.pptx
@@ -261,7 +261,7 @@
           <a:p>
             <a:fld id="{026F6ED6-DB1E-4851-B914-56E4370E778D}" type="datetimeFigureOut">
               <a:rPr lang="LID4096" smtClean="0"/>
-              <a:t>7/30/25</a:t>
+              <a:t>7/31/25</a:t>
             </a:fld>
             <a:endParaRPr lang="LID4096"/>
           </a:p>
@@ -2850,78 +2850,6 @@
           </a:prstGeom>
         </p:spPr>
       </p:pic>
-      <p:sp>
-        <p:nvSpPr>
-          <p:cNvPr id="13" name="TextBox 12">
-            <a:extLst>
-              <a:ext uri="{FF2B5EF4-FFF2-40B4-BE49-F238E27FC236}">
-                <a16:creationId xmlns:a16="http://schemas.microsoft.com/office/drawing/2014/main" id="{EC4CBA12-BAC3-F1CF-5358-0744627E1A1F}"/>
-              </a:ext>
-            </a:extLst>
-          </p:cNvPr>
-          <p:cNvSpPr txBox="1"/>
-          <p:nvPr/>
-        </p:nvSpPr>
-        <p:spPr>
-          <a:xfrm>
-            <a:off x="1146342" y="1601094"/>
-            <a:ext cx="1219768" cy="369332"/>
-          </a:xfrm>
-          <a:prstGeom prst="rect">
-            <a:avLst/>
-          </a:prstGeom>
-          <a:noFill/>
-        </p:spPr>
-        <p:txBody>
-          <a:bodyPr wrap="square" rtlCol="0">
-            <a:spAutoFit/>
-          </a:bodyPr>
-          <a:lstStyle/>
-          <a:p>
-            <a:r>
-              <a:rPr lang="en-IE" dirty="0"/>
-              <a:t>&lt;5 years</a:t>
-            </a:r>
-            <a:endParaRPr lang="LID4096" dirty="0"/>
-          </a:p>
-        </p:txBody>
-      </p:sp>
-      <p:sp>
-        <p:nvSpPr>
-          <p:cNvPr id="14" name="TextBox 13">
-            <a:extLst>
-              <a:ext uri="{FF2B5EF4-FFF2-40B4-BE49-F238E27FC236}">
-                <a16:creationId xmlns:a16="http://schemas.microsoft.com/office/drawing/2014/main" id="{3EBAC493-476D-5618-B0B4-29EA1FAFAFB0}"/>
-              </a:ext>
-            </a:extLst>
-          </p:cNvPr>
-          <p:cNvSpPr txBox="1"/>
-          <p:nvPr/>
-        </p:nvSpPr>
-        <p:spPr>
-          <a:xfrm>
-            <a:off x="3783347" y="1599807"/>
-            <a:ext cx="1762125" cy="369332"/>
-          </a:xfrm>
-          <a:prstGeom prst="rect">
-            <a:avLst/>
-          </a:prstGeom>
-          <a:noFill/>
-        </p:spPr>
-        <p:txBody>
-          <a:bodyPr wrap="square" rtlCol="0">
-            <a:spAutoFit/>
-          </a:bodyPr>
-          <a:lstStyle/>
-          <a:p>
-            <a:r>
-              <a:rPr lang="en-IE" dirty="0"/>
-              <a:t>≥5 years</a:t>
-            </a:r>
-            <a:endParaRPr lang="LID4096" dirty="0"/>
-          </a:p>
-        </p:txBody>
-      </p:sp>
       <p:pic>
         <p:nvPicPr>
           <p:cNvPr id="16" name="Graphic 15" descr="Children outline">
@@ -3205,6 +3133,78 @@
             <a:r>
               <a:rPr lang="en-IE" dirty="0"/>
               <a:t>Seroprevalence=30%</a:t>
+            </a:r>
+            <a:endParaRPr lang="LID4096" dirty="0"/>
+          </a:p>
+        </p:txBody>
+      </p:sp>
+      <p:sp>
+        <p:nvSpPr>
+          <p:cNvPr id="3" name="TextBox 2">
+            <a:extLst>
+              <a:ext uri="{FF2B5EF4-FFF2-40B4-BE49-F238E27FC236}">
+                <a16:creationId xmlns:a16="http://schemas.microsoft.com/office/drawing/2014/main" id="{ED404004-DCF4-4362-9FA1-74C967195A87}"/>
+              </a:ext>
+            </a:extLst>
+          </p:cNvPr>
+          <p:cNvSpPr txBox="1"/>
+          <p:nvPr/>
+        </p:nvSpPr>
+        <p:spPr>
+          <a:xfrm>
+            <a:off x="977557" y="1599807"/>
+            <a:ext cx="1762124" cy="369332"/>
+          </a:xfrm>
+          <a:prstGeom prst="rect">
+            <a:avLst/>
+          </a:prstGeom>
+          <a:noFill/>
+        </p:spPr>
+        <p:txBody>
+          <a:bodyPr wrap="square" rtlCol="0">
+            <a:spAutoFit/>
+          </a:bodyPr>
+          <a:lstStyle/>
+          <a:p>
+            <a:r>
+              <a:rPr lang="en-IE" dirty="0"/>
+              <a:t>&lt;5 years old</a:t>
+            </a:r>
+            <a:endParaRPr lang="LID4096" dirty="0"/>
+          </a:p>
+        </p:txBody>
+      </p:sp>
+      <p:sp>
+        <p:nvSpPr>
+          <p:cNvPr id="6" name="TextBox 5">
+            <a:extLst>
+              <a:ext uri="{FF2B5EF4-FFF2-40B4-BE49-F238E27FC236}">
+                <a16:creationId xmlns:a16="http://schemas.microsoft.com/office/drawing/2014/main" id="{AEFEA0C7-11C0-7E36-BB76-B439FCCB29EB}"/>
+              </a:ext>
+            </a:extLst>
+          </p:cNvPr>
+          <p:cNvSpPr txBox="1"/>
+          <p:nvPr/>
+        </p:nvSpPr>
+        <p:spPr>
+          <a:xfrm>
+            <a:off x="3614168" y="1599807"/>
+            <a:ext cx="1762125" cy="369332"/>
+          </a:xfrm>
+          <a:prstGeom prst="rect">
+            <a:avLst/>
+          </a:prstGeom>
+          <a:noFill/>
+        </p:spPr>
+        <p:txBody>
+          <a:bodyPr wrap="square" rtlCol="0">
+            <a:spAutoFit/>
+          </a:bodyPr>
+          <a:lstStyle/>
+          <a:p>
+            <a:r>
+              <a:rPr lang="en-IE" dirty="0"/>
+              <a:t>≥ 5 years old</a:t>
             </a:r>
             <a:endParaRPr lang="LID4096" dirty="0"/>
           </a:p>
@@ -5015,7 +5015,7 @@
             </a:pPr>
             <a:r>
               <a:rPr lang="en-IE" dirty="0"/>
-              <a:t> Can be estimated using a catalytic model</a:t>
+              <a:t> Can be estimated using a serocatalytic model</a:t>
             </a:r>
           </a:p>
           <a:p>
@@ -5135,7 +5135,7 @@
                   </a:schemeClr>
                 </a:solidFill>
               </a:rPr>
-              <a:t>Catalytic model</a:t>
+              <a:t>Serocatalytic model</a:t>
             </a:r>
           </a:p>
         </p:txBody>
@@ -5428,7 +5428,7 @@
                   </a:schemeClr>
                 </a:solidFill>
               </a:rPr>
-              <a:t>Catalytic model</a:t>
+              <a:t>Serocatalytic model</a:t>
             </a:r>
           </a:p>
         </p:txBody>
@@ -7243,7 +7243,7 @@
                   </a:schemeClr>
                 </a:solidFill>
               </a:rPr>
-              <a:t>Tutorial/Lab</a:t>
+              <a:t>Lab 6</a:t>
             </a:r>
           </a:p>
         </p:txBody>
@@ -7316,7 +7316,7 @@
             </a:pPr>
             <a:r>
               <a:rPr lang="en-IE" dirty="0"/>
-              <a:t>Fit a catalytic model to estimate FOI</a:t>
+              <a:t>Fit a serocatalytic model to estimate FOI</a:t>
             </a:r>
           </a:p>
           <a:p>
@@ -7331,36 +7331,6 @@
           </a:p>
         </p:txBody>
       </p:sp>
-      <p:pic>
-        <p:nvPicPr>
-          <p:cNvPr id="6" name="Picture 5">
-            <a:extLst>
-              <a:ext uri="{FF2B5EF4-FFF2-40B4-BE49-F238E27FC236}">
-                <a16:creationId xmlns:a16="http://schemas.microsoft.com/office/drawing/2014/main" id="{D7F70F0E-618B-9564-F15E-F50DB46D5EE4}"/>
-              </a:ext>
-            </a:extLst>
-          </p:cNvPr>
-          <p:cNvPicPr>
-            <a:picLocks noChangeAspect="1"/>
-          </p:cNvPicPr>
-          <p:nvPr/>
-        </p:nvPicPr>
-        <p:blipFill>
-          <a:blip r:embed="rId2"/>
-          <a:stretch>
-            <a:fillRect/>
-          </a:stretch>
-        </p:blipFill>
-        <p:spPr>
-          <a:xfrm>
-            <a:off x="6577263" y="2228611"/>
-            <a:ext cx="5326084" cy="3875068"/>
-          </a:xfrm>
-          <a:prstGeom prst="rect">
-            <a:avLst/>
-          </a:prstGeom>
-        </p:spPr>
-      </p:pic>
     </p:spTree>
     <p:extLst>
       <p:ext uri="{BB962C8B-B14F-4D97-AF65-F5344CB8AC3E}">
@@ -7566,7 +7536,7 @@
           <a:p>
             <a:r>
               <a:rPr lang="en-IE" i="1" dirty="0"/>
-              <a:t>How has the pathogen spread in a given population</a:t>
+              <a:t>How has the pathogen spread in a given population?</a:t>
             </a:r>
           </a:p>
         </p:txBody>
@@ -8840,7 +8810,7 @@
                   </a:schemeClr>
                 </a:solidFill>
               </a:rPr>
-              <a:t>i.e. when can age tell us about past transmission</a:t>
+              <a:t>i.e. when can age tell us about past transmission?</a:t>
             </a:r>
             <a:endParaRPr lang="LID4096" dirty="0">
               <a:solidFill>
